--- a/atlas/AtlasOverviewAndDemo.pptx
+++ b/atlas/AtlasOverviewAndDemo.pptx
@@ -15814,10 +15814,9 @@
           </a:p>
           <a:p>
             <a:r>
-              <a:rPr lang="en-IL"/>
+              <a:rPr lang="en-IL" dirty="0"/>
               <a:t>Peretz Rickett</a:t>
             </a:r>
-            <a:endParaRPr lang="en-IL" dirty="0"/>
           </a:p>
         </p:txBody>
       </p:sp>

--- a/atlas/AtlasOverviewAndDemo.pptx
+++ b/atlas/AtlasOverviewAndDemo.pptx
@@ -108,6 +108,11 @@
       </a:defRPr>
     </a:lvl9pPr>
   </p:defaultTextStyle>
+  <p:extLst>
+    <p:ext uri="{EFAFB233-063F-42B5-8137-9DF3F51BA10A}">
+      <p15:sldGuideLst xmlns:p15="http://schemas.microsoft.com/office/powerpoint/2012/main"/>
+    </p:ext>
+  </p:extLst>
 </p:presentation>
 </file>
 
@@ -1521,7 +1526,7 @@
             <a:fld id="{48A87A34-81AB-432B-8DAE-1953F412C126}" type="datetimeFigureOut">
               <a:rPr lang="en-US" dirty="0"/>
               <a:pPr/>
-              <a:t>9/30/24</a:t>
+              <a:t>10/6/24</a:t>
             </a:fld>
             <a:endParaRPr lang="en-US" dirty="0"/>
           </a:p>
@@ -2975,7 +2980,7 @@
           <a:p>
             <a:fld id="{48A87A34-81AB-432B-8DAE-1953F412C126}" type="datetimeFigureOut">
               <a:rPr lang="en-US" dirty="0"/>
-              <a:t>9/30/24</a:t>
+              <a:t>10/6/24</a:t>
             </a:fld>
             <a:endParaRPr lang="en-US" dirty="0"/>
           </a:p>
@@ -4423,7 +4428,7 @@
           <a:p>
             <a:fld id="{48A87A34-81AB-432B-8DAE-1953F412C126}" type="datetimeFigureOut">
               <a:rPr lang="en-US" dirty="0"/>
-              <a:t>9/30/24</a:t>
+              <a:t>10/6/24</a:t>
             </a:fld>
             <a:endParaRPr lang="en-US" dirty="0"/>
           </a:p>
@@ -5873,7 +5878,7 @@
           <a:p>
             <a:fld id="{48A87A34-81AB-432B-8DAE-1953F412C126}" type="datetimeFigureOut">
               <a:rPr lang="en-US" dirty="0"/>
-              <a:t>9/30/24</a:t>
+              <a:t>10/6/24</a:t>
             </a:fld>
             <a:endParaRPr lang="en-US" dirty="0"/>
           </a:p>
@@ -7376,7 +7381,7 @@
           <a:p>
             <a:fld id="{48A87A34-81AB-432B-8DAE-1953F412C126}" type="datetimeFigureOut">
               <a:rPr lang="en-US" dirty="0"/>
-              <a:t>9/30/24</a:t>
+              <a:t>10/6/24</a:t>
             </a:fld>
             <a:endParaRPr lang="en-US" dirty="0"/>
           </a:p>
@@ -8892,7 +8897,7 @@
           <a:p>
             <a:fld id="{48A87A34-81AB-432B-8DAE-1953F412C126}" type="datetimeFigureOut">
               <a:rPr lang="en-US" dirty="0"/>
-              <a:t>9/30/24</a:t>
+              <a:t>10/6/24</a:t>
             </a:fld>
             <a:endParaRPr lang="en-US" dirty="0"/>
           </a:p>
@@ -10552,7 +10557,7 @@
           <a:p>
             <a:fld id="{48A87A34-81AB-432B-8DAE-1953F412C126}" type="datetimeFigureOut">
               <a:rPr lang="en-US" dirty="0"/>
-              <a:t>9/30/24</a:t>
+              <a:t>10/6/24</a:t>
             </a:fld>
             <a:endParaRPr lang="en-US" dirty="0"/>
           </a:p>
@@ -11945,7 +11950,7 @@
           <a:p>
             <a:fld id="{48A87A34-81AB-432B-8DAE-1953F412C126}" type="datetimeFigureOut">
               <a:rPr lang="en-US" dirty="0"/>
-              <a:t>9/30/24</a:t>
+              <a:t>10/6/24</a:t>
             </a:fld>
             <a:endParaRPr lang="en-US" dirty="0"/>
           </a:p>
@@ -12040,7 +12045,7 @@
           <a:p>
             <a:fld id="{48A87A34-81AB-432B-8DAE-1953F412C126}" type="datetimeFigureOut">
               <a:rPr lang="en-US" dirty="0"/>
-              <a:t>9/30/24</a:t>
+              <a:t>10/6/24</a:t>
             </a:fld>
             <a:endParaRPr lang="en-US" dirty="0"/>
           </a:p>
@@ -13561,7 +13566,7 @@
           <a:p>
             <a:fld id="{48A87A34-81AB-432B-8DAE-1953F412C126}" type="datetimeFigureOut">
               <a:rPr lang="en-US" dirty="0"/>
-              <a:t>9/30/24</a:t>
+              <a:t>10/6/24</a:t>
             </a:fld>
             <a:endParaRPr lang="en-US" dirty="0"/>
           </a:p>
@@ -15092,7 +15097,7 @@
           <a:p>
             <a:fld id="{48A87A34-81AB-432B-8DAE-1953F412C126}" type="datetimeFigureOut">
               <a:rPr lang="en-US" dirty="0"/>
-              <a:t>9/30/24</a:t>
+              <a:t>10/6/24</a:t>
             </a:fld>
             <a:endParaRPr lang="en-US" dirty="0"/>
           </a:p>
@@ -15311,7 +15316,7 @@
             <a:fld id="{48A87A34-81AB-432B-8DAE-1953F412C126}" type="datetimeFigureOut">
               <a:rPr lang="en-US" dirty="0"/>
               <a:pPr/>
-              <a:t>9/30/24</a:t>
+              <a:t>10/6/24</a:t>
             </a:fld>
             <a:endParaRPr lang="en-US" dirty="0"/>
           </a:p>
@@ -15902,7 +15907,7 @@
           <a:p>
             <a:r>
               <a:rPr lang="en-US" dirty="0"/>
-              <a:t>Atlas is an open-source database schema management tool.</a:t>
+              <a:t>Atlas is a database schema management tool that integrates database changes into the CI/CD process.</a:t>
             </a:r>
           </a:p>
           <a:p>
@@ -16006,15 +16011,7 @@
             </a:r>
             <a:r>
               <a:rPr lang="en-US" dirty="0"/>
-              <a:t>: Write schema changes in HCL (</a:t>
-            </a:r>
-            <a:r>
-              <a:rPr lang="en-US" dirty="0" err="1"/>
-              <a:t>HashiCorp</a:t>
-            </a:r>
-            <a:r>
-              <a:rPr lang="en-US" dirty="0"/>
-              <a:t> Configuration Language).</a:t>
+              <a:t>: Write schema changes in HCL, SQL or ORM syntax.</a:t>
             </a:r>
           </a:p>
           <a:p>
